--- a/Session 1  - Logistic Regression (Social Network Ads)/Intro + Logistic Regression.pptx
+++ b/Session 1  - Logistic Regression (Social Network Ads)/Intro + Logistic Regression.pptx
@@ -2105,7 +2105,7 @@
         </p:nvSpPr>
         <p:spPr>
           <a:xfrm>
-            <a:off x="381300" y="685800"/>
+            <a:off x="381000" y="685800"/>
             <a:ext cx="6096000" cy="3429000"/>
           </a:xfrm>
           <a:custGeom>
@@ -2313,7 +2313,7 @@
         </p:nvSpPr>
         <p:spPr>
           <a:xfrm>
-            <a:off x="381300" y="685800"/>
+            <a:off x="381000" y="685800"/>
             <a:ext cx="6096000" cy="3429000"/>
           </a:xfrm>
           <a:custGeom>
@@ -8925,10 +8925,10 @@
               <a:buChar char="●"/>
             </a:pPr>
             <a:r>
-              <a:rPr lang="en"/>
+              <a:rPr lang="en" dirty="0"/>
               <a:t>However, this gives an infinite result</a:t>
             </a:r>
-            <a:endParaRPr/>
+            <a:endParaRPr dirty="0"/>
           </a:p>
           <a:p>
             <a:pPr marL="457200" lvl="0" indent="-342900" algn="l" rtl="0">
@@ -8942,10 +8942,10 @@
               <a:buChar char="●"/>
             </a:pPr>
             <a:r>
-              <a:rPr lang="en"/>
+              <a:rPr lang="en" dirty="0"/>
               <a:t>Thus, sigmoid function utilized to bound output to be between 0 and 1 (like any regular probability)</a:t>
             </a:r>
-            <a:endParaRPr/>
+            <a:endParaRPr dirty="0"/>
           </a:p>
           <a:p>
             <a:pPr marL="457200" lvl="0" indent="-342900" algn="l" rtl="0">
@@ -8959,10 +8959,10 @@
               <a:buChar char="●"/>
             </a:pPr>
             <a:r>
-              <a:rPr lang="en"/>
+              <a:rPr lang="en" dirty="0"/>
               <a:t>High weighted sum → high probability</a:t>
             </a:r>
-            <a:endParaRPr/>
+            <a:endParaRPr dirty="0"/>
           </a:p>
           <a:p>
             <a:pPr marL="457200" lvl="0" indent="-342900" algn="l" rtl="0">
@@ -8976,10 +8976,10 @@
               <a:buChar char="●"/>
             </a:pPr>
             <a:r>
-              <a:rPr lang="en"/>
+              <a:rPr lang="en" dirty="0"/>
               <a:t>Low weighted sum → low probability</a:t>
             </a:r>
-            <a:endParaRPr/>
+            <a:endParaRPr dirty="0"/>
           </a:p>
           <a:p>
             <a:pPr marL="457200" lvl="0" indent="-342900" algn="l" rtl="0">
@@ -8993,10 +8993,10 @@
               <a:buChar char="●"/>
             </a:pPr>
             <a:r>
-              <a:rPr lang="en"/>
+              <a:rPr lang="en" dirty="0"/>
               <a:t>Weighted sum = 0 → 0.5 probability </a:t>
             </a:r>
-            <a:endParaRPr/>
+            <a:endParaRPr dirty="0"/>
           </a:p>
           <a:p>
             <a:pPr marL="457200" lvl="0" indent="-342900" algn="l" rtl="0">
@@ -9010,25 +9010,29 @@
               <a:buChar char="●"/>
             </a:pPr>
             <a:r>
-              <a:rPr lang="en"/>
+              <a:rPr lang="en" dirty="0"/>
               <a:t>The input to the function is the weighted</a:t>
             </a:r>
             <a:br>
-              <a:rPr lang="en"/>
+              <a:rPr lang="en" dirty="0"/>
             </a:br>
             <a:r>
-              <a:rPr lang="en"/>
-              <a:t>sum, Θ</a:t>
+              <a:rPr lang="en" dirty="0"/>
+              <a:t>sum, </a:t>
             </a:r>
             <a:r>
-              <a:rPr lang="en" baseline="30000"/>
+              <a:rPr lang="en" dirty="0" err="1"/>
+              <a:t>Θ</a:t>
+            </a:r>
+            <a:r>
+              <a:rPr lang="en" baseline="30000" dirty="0" err="1"/>
               <a:t>T</a:t>
             </a:r>
             <a:r>
-              <a:rPr lang="en"/>
+              <a:rPr lang="en" dirty="0" err="1"/>
               <a:t>x</a:t>
             </a:r>
-            <a:endParaRPr/>
+            <a:endParaRPr dirty="0"/>
           </a:p>
           <a:p>
             <a:pPr marL="457200" lvl="0" indent="-342900" algn="l" rtl="0">
@@ -9042,10 +9046,10 @@
               <a:buChar char="●"/>
             </a:pPr>
             <a:r>
-              <a:rPr lang="en"/>
+              <a:rPr lang="en" dirty="0"/>
               <a:t>So f(x) is represented as….</a:t>
             </a:r>
-            <a:endParaRPr/>
+            <a:endParaRPr dirty="0"/>
           </a:p>
         </p:txBody>
       </p:sp>
@@ -9606,16 +9610,16 @@
               <a:buChar char="●"/>
             </a:pPr>
             <a:r>
-              <a:rPr lang="en"/>
+              <a:rPr lang="en" dirty="0"/>
               <a:t>Comes out as:</a:t>
             </a:r>
             <a:br>
-              <a:rPr lang="en"/>
+              <a:rPr lang="en" dirty="0"/>
             </a:br>
             <a:br>
-              <a:rPr lang="en"/>
+              <a:rPr lang="en" dirty="0"/>
             </a:br>
-            <a:endParaRPr/>
+            <a:endParaRPr dirty="0"/>
           </a:p>
           <a:p>
             <a:pPr marL="457200" lvl="0" indent="-342900" algn="l" rtl="0">
@@ -9629,16 +9633,16 @@
               <a:buChar char="●"/>
             </a:pPr>
             <a:r>
-              <a:rPr lang="en"/>
+              <a:rPr lang="en" dirty="0"/>
               <a:t> Therefore:</a:t>
             </a:r>
             <a:br>
-              <a:rPr lang="en"/>
+              <a:rPr lang="en" dirty="0"/>
             </a:br>
             <a:br>
-              <a:rPr lang="en"/>
+              <a:rPr lang="en" dirty="0"/>
             </a:br>
-            <a:endParaRPr/>
+            <a:endParaRPr dirty="0"/>
           </a:p>
           <a:p>
             <a:pPr marL="457200" lvl="0" indent="-342900" algn="l" rtl="0">
@@ -9652,10 +9656,10 @@
               <a:buChar char="●"/>
             </a:pPr>
             <a:r>
-              <a:rPr lang="en"/>
+              <a:rPr lang="en" dirty="0"/>
               <a:t>Repeat many times for each weight, or until you find ideal weights (i.e. they don’t change anymore)! </a:t>
             </a:r>
-            <a:endParaRPr/>
+            <a:endParaRPr dirty="0"/>
           </a:p>
         </p:txBody>
       </p:sp>
@@ -10119,10 +10123,10 @@
               <a:buChar char="●"/>
             </a:pPr>
             <a:r>
-              <a:rPr lang="en"/>
+              <a:rPr lang="en" dirty="0"/>
               <a:t>Learn about the core, underlying problem of Machine Learning</a:t>
             </a:r>
-            <a:endParaRPr/>
+            <a:endParaRPr dirty="0"/>
           </a:p>
           <a:p>
             <a:pPr marL="457200" lvl="0" indent="-342900" algn="l" rtl="0">
@@ -10136,10 +10140,10 @@
               <a:buChar char="●"/>
             </a:pPr>
             <a:r>
-              <a:rPr lang="en"/>
+              <a:rPr lang="en" dirty="0"/>
               <a:t>Set up programming environment - Google Cloud</a:t>
             </a:r>
-            <a:endParaRPr/>
+            <a:endParaRPr dirty="0"/>
           </a:p>
           <a:p>
             <a:pPr marL="457200" lvl="0" indent="-342900" algn="l" rtl="0">
@@ -10153,10 +10157,10 @@
               <a:buChar char="●"/>
             </a:pPr>
             <a:r>
-              <a:rPr lang="en"/>
+              <a:rPr lang="en" dirty="0"/>
               <a:t>Program logistic regression algorithm</a:t>
             </a:r>
-            <a:endParaRPr/>
+            <a:endParaRPr dirty="0"/>
           </a:p>
           <a:p>
             <a:pPr marL="457200" lvl="0" indent="-342900" algn="l" rtl="0">
@@ -10170,10 +10174,10 @@
               <a:buChar char="●"/>
             </a:pPr>
             <a:r>
-              <a:rPr lang="en"/>
+              <a:rPr lang="en" dirty="0"/>
               <a:t>Gain intuitive insight to algorithm</a:t>
             </a:r>
-            <a:endParaRPr/>
+            <a:endParaRPr dirty="0"/>
           </a:p>
         </p:txBody>
       </p:sp>
@@ -10470,10 +10474,34 @@
               <a:buChar char="●"/>
             </a:pPr>
             <a:r>
-              <a:rPr lang="en"/>
-              <a:t>Supervised: labelled data (eg. house prices), Unsupervised: unlabelled data (eg. bank customer data)</a:t>
+              <a:rPr lang="en" dirty="0"/>
+              <a:t>Supervised: labelled data (</a:t>
             </a:r>
-            <a:endParaRPr/>
+            <a:r>
+              <a:rPr lang="en" dirty="0" err="1"/>
+              <a:t>eg.</a:t>
+            </a:r>
+            <a:r>
+              <a:rPr lang="en" dirty="0"/>
+              <a:t> house prices), Unsupervised: </a:t>
+            </a:r>
+            <a:r>
+              <a:rPr lang="en" dirty="0" err="1"/>
+              <a:t>unlabelled</a:t>
+            </a:r>
+            <a:r>
+              <a:rPr lang="en" dirty="0"/>
+              <a:t> data (</a:t>
+            </a:r>
+            <a:r>
+              <a:rPr lang="en" dirty="0" err="1"/>
+              <a:t>eg.</a:t>
+            </a:r>
+            <a:r>
+              <a:rPr lang="en" dirty="0"/>
+              <a:t> bank customer data)</a:t>
+            </a:r>
+            <a:endParaRPr dirty="0"/>
           </a:p>
           <a:p>
             <a:pPr marL="457200" lvl="0" indent="-342900" algn="l" rtl="0">
@@ -10487,10 +10515,26 @@
               <a:buChar char="●"/>
             </a:pPr>
             <a:r>
-              <a:rPr lang="en"/>
-              <a:t>Classification: predicting discrete outcome (eg. handwritten digit), Regression: predicting continuous outcome (eg. house prices)</a:t>
+              <a:rPr lang="en" dirty="0"/>
+              <a:t>Classification: predicting discrete outcome (</a:t>
             </a:r>
-            <a:endParaRPr/>
+            <a:r>
+              <a:rPr lang="en" dirty="0" err="1"/>
+              <a:t>eg.</a:t>
+            </a:r>
+            <a:r>
+              <a:rPr lang="en" dirty="0"/>
+              <a:t> handwritten digit), Regression: predicting continuous outcome (</a:t>
+            </a:r>
+            <a:r>
+              <a:rPr lang="en" dirty="0" err="1"/>
+              <a:t>eg.</a:t>
+            </a:r>
+            <a:r>
+              <a:rPr lang="en" dirty="0"/>
+              <a:t> house prices)</a:t>
+            </a:r>
+            <a:endParaRPr dirty="0"/>
           </a:p>
           <a:p>
             <a:pPr marL="457200" lvl="0" indent="-342900" algn="l" rtl="0">
@@ -10504,10 +10548,10 @@
               <a:buChar char="●"/>
             </a:pPr>
             <a:r>
-              <a:rPr lang="en"/>
+              <a:rPr lang="en" dirty="0"/>
               <a:t>Classification requires distinct sets, and each piece of training data must belong to one</a:t>
             </a:r>
-            <a:endParaRPr/>
+            <a:endParaRPr dirty="0"/>
           </a:p>
         </p:txBody>
       </p:sp>
@@ -10642,10 +10686,22 @@
               <a:buAutoNum type="arabicPeriod"/>
             </a:pPr>
             <a:r>
-              <a:rPr lang="en"/>
-              <a:t>Compile/find dataset → example breast cancer dataset (instances, features, output value, predicted value)</a:t>
+              <a:rPr lang="en" dirty="0"/>
+              <a:t>Compile/find dataset → example social media advertis</a:t>
             </a:r>
-            <a:endParaRPr/>
+            <a:r>
+              <a:rPr lang="en-SG" dirty="0"/>
+              <a:t>e</a:t>
+            </a:r>
+            <a:r>
+              <a:rPr lang="en" dirty="0" err="1"/>
+              <a:t>ment</a:t>
+            </a:r>
+            <a:r>
+              <a:rPr lang="en" dirty="0"/>
+              <a:t> success dataset (instances, features, output value, predicted value)</a:t>
+            </a:r>
+            <a:endParaRPr dirty="0"/>
           </a:p>
           <a:p>
             <a:pPr marL="457200" lvl="0" indent="-342900" algn="l" rtl="0">
@@ -10659,10 +10715,10 @@
               <a:buAutoNum type="arabicPeriod"/>
             </a:pPr>
             <a:r>
-              <a:rPr lang="en"/>
+              <a:rPr lang="en" dirty="0"/>
               <a:t>Split dataset into train and test</a:t>
             </a:r>
-            <a:endParaRPr/>
+            <a:endParaRPr dirty="0"/>
           </a:p>
           <a:p>
             <a:pPr marL="457200" lvl="0" indent="-342900" algn="l" rtl="0">
@@ -10676,10 +10732,10 @@
               <a:buAutoNum type="arabicPeriod"/>
             </a:pPr>
             <a:r>
-              <a:rPr lang="en"/>
+              <a:rPr lang="en" dirty="0"/>
               <a:t>Create algorithm framework</a:t>
             </a:r>
-            <a:endParaRPr/>
+            <a:endParaRPr dirty="0"/>
           </a:p>
           <a:p>
             <a:pPr marL="457200" lvl="0" indent="-342900" algn="l" rtl="0">
@@ -10693,10 +10749,10 @@
               <a:buAutoNum type="arabicPeriod"/>
             </a:pPr>
             <a:r>
-              <a:rPr lang="en"/>
+              <a:rPr lang="en" dirty="0"/>
               <a:t>Feed data from dataset to algorithm using training data (training phase)</a:t>
             </a:r>
-            <a:endParaRPr/>
+            <a:endParaRPr dirty="0"/>
           </a:p>
           <a:p>
             <a:pPr marL="457200" lvl="0" indent="-342900" algn="l" rtl="0">
@@ -10710,10 +10766,10 @@
               <a:buAutoNum type="arabicPeriod"/>
             </a:pPr>
             <a:r>
-              <a:rPr lang="en"/>
+              <a:rPr lang="en" dirty="0"/>
               <a:t>Evaluate performance of algorithm using test data (testing phase)</a:t>
             </a:r>
-            <a:endParaRPr/>
+            <a:endParaRPr dirty="0"/>
           </a:p>
         </p:txBody>
       </p:sp>
@@ -10964,10 +11020,18 @@
               <a:buNone/>
             </a:pPr>
             <a:r>
-              <a:rPr lang="en"/>
-              <a:t>Breast Cancer Diagnosis Algorithm</a:t>
+              <a:rPr lang="en" dirty="0"/>
+              <a:t>Social Media </a:t>
             </a:r>
-            <a:endParaRPr/>
+            <a:r>
+              <a:rPr lang="en-SG" dirty="0"/>
+              <a:t>Advertisement</a:t>
+            </a:r>
+            <a:r>
+              <a:rPr lang="en" dirty="0"/>
+              <a:t> Prediction Algorithm</a:t>
+            </a:r>
+            <a:endParaRPr dirty="0"/>
           </a:p>
         </p:txBody>
       </p:sp>
